--- a/AIDAMay2025.pptx
+++ b/AIDAMay2025.pptx
@@ -11155,6 +11155,65 @@
             <a:pPr marL="0" indent="0">
               <a:buNone/>
             </a:pPr>
+            <a:endParaRPr lang="en-GB" sz="2400" noProof="0" dirty="0"/>
+          </a:p>
+          <a:p>
+            <a:pPr marL="0" indent="0">
+              <a:buNone/>
+            </a:pPr>
+            <a:r>
+              <a:rPr lang="en-GB" sz="2400" noProof="0" dirty="0"/>
+              <a:t>Weimar Jazz database </a:t>
+            </a:r>
+            <a:r>
+              <a:rPr lang="en-GB" sz="2400" noProof="0" dirty="0">
+                <a:hlinkClick r:id="rId5"/>
+              </a:rPr>
+              <a:t>https://jazzomat.hfm-weimar.de/dbformat/dboverview.html</a:t>
+            </a:r>
+            <a:r>
+              <a:rPr lang="en-GB" sz="2400" noProof="0" dirty="0"/>
+              <a:t> </a:t>
+            </a:r>
+          </a:p>
+          <a:p>
+            <a:pPr marL="0" indent="0">
+              <a:buNone/>
+            </a:pPr>
+            <a:r>
+              <a:rPr lang="en-GB" sz="2400" dirty="0"/>
+              <a:t>DTL1000 (dig that lick) </a:t>
+            </a:r>
+            <a:r>
+              <a:rPr lang="en-GB" sz="2400" dirty="0">
+                <a:hlinkClick r:id="rId6"/>
+              </a:rPr>
+              <a:t>https://reshare.ukdataservice.ac.uk/854781/</a:t>
+            </a:r>
+            <a:r>
+              <a:rPr lang="en-GB" sz="2400" dirty="0"/>
+              <a:t> </a:t>
+            </a:r>
+            <a:r>
+              <a:rPr lang="en-GB" sz="2400" dirty="0">
+                <a:hlinkClick r:id="rId7"/>
+              </a:rPr>
+              <a:t>https://dig-that-lick.eecs.qmul.ac.uk/index.html</a:t>
+            </a:r>
+            <a:r>
+              <a:rPr lang="en-GB" sz="2400" dirty="0"/>
+              <a:t> </a:t>
+            </a:r>
+            <a:r>
+              <a:rPr lang="en-GB" sz="2400" dirty="0">
+                <a:hlinkClick r:id="rId8"/>
+              </a:rPr>
+              <a:t>https://osf.io/6jm8x</a:t>
+            </a:r>
+            <a:r>
+              <a:rPr lang="en-GB" sz="2400" dirty="0"/>
+              <a:t> </a:t>
+            </a:r>
             <a:endParaRPr lang="en-GB" sz="2400" noProof="0" dirty="0"/>
           </a:p>
         </p:txBody>
